--- a/mobile_pres_1.pptx
+++ b/mobile_pres_1.pptx
@@ -282,7 +282,7 @@
           <a:p>
             <a:fld id="{1D592FA8-CD67-42EB-B5F6-1369A0689577}" type="datetimeFigureOut">
               <a:rPr lang="en-US" smtClean="0"/>
-              <a:t>4/12/2018</a:t>
+              <a:t>4/13/2018</a:t>
             </a:fld>
             <a:endParaRPr lang="en-US"/>
           </a:p>
@@ -452,7 +452,7 @@
           <a:p>
             <a:fld id="{1D592FA8-CD67-42EB-B5F6-1369A0689577}" type="datetimeFigureOut">
               <a:rPr lang="en-US" smtClean="0"/>
-              <a:t>4/12/2018</a:t>
+              <a:t>4/13/2018</a:t>
             </a:fld>
             <a:endParaRPr lang="en-US"/>
           </a:p>
@@ -632,7 +632,7 @@
           <a:p>
             <a:fld id="{1D592FA8-CD67-42EB-B5F6-1369A0689577}" type="datetimeFigureOut">
               <a:rPr lang="en-US" smtClean="0"/>
-              <a:t>4/12/2018</a:t>
+              <a:t>4/13/2018</a:t>
             </a:fld>
             <a:endParaRPr lang="en-US"/>
           </a:p>
@@ -802,7 +802,7 @@
           <a:p>
             <a:fld id="{1D592FA8-CD67-42EB-B5F6-1369A0689577}" type="datetimeFigureOut">
               <a:rPr lang="en-US" smtClean="0"/>
-              <a:t>4/12/2018</a:t>
+              <a:t>4/13/2018</a:t>
             </a:fld>
             <a:endParaRPr lang="en-US"/>
           </a:p>
@@ -1070,7 +1070,7 @@
           <a:p>
             <a:fld id="{1D592FA8-CD67-42EB-B5F6-1369A0689577}" type="datetimeFigureOut">
               <a:rPr lang="en-US" smtClean="0"/>
-              <a:t>4/12/2018</a:t>
+              <a:t>4/13/2018</a:t>
             </a:fld>
             <a:endParaRPr lang="en-US"/>
           </a:p>
@@ -1302,7 +1302,7 @@
           <a:p>
             <a:fld id="{1D592FA8-CD67-42EB-B5F6-1369A0689577}" type="datetimeFigureOut">
               <a:rPr lang="en-US" smtClean="0"/>
-              <a:t>4/12/2018</a:t>
+              <a:t>4/13/2018</a:t>
             </a:fld>
             <a:endParaRPr lang="en-US"/>
           </a:p>
@@ -1661,7 +1661,7 @@
           <a:p>
             <a:fld id="{1D592FA8-CD67-42EB-B5F6-1369A0689577}" type="datetimeFigureOut">
               <a:rPr lang="en-US" smtClean="0"/>
-              <a:t>4/12/2018</a:t>
+              <a:t>4/13/2018</a:t>
             </a:fld>
             <a:endParaRPr lang="en-US"/>
           </a:p>
@@ -1802,7 +1802,7 @@
           <a:p>
             <a:fld id="{1D592FA8-CD67-42EB-B5F6-1369A0689577}" type="datetimeFigureOut">
               <a:rPr lang="en-US" smtClean="0"/>
-              <a:t>4/12/2018</a:t>
+              <a:t>4/13/2018</a:t>
             </a:fld>
             <a:endParaRPr lang="en-US"/>
           </a:p>
@@ -1897,7 +1897,7 @@
           <a:p>
             <a:fld id="{1D592FA8-CD67-42EB-B5F6-1369A0689577}" type="datetimeFigureOut">
               <a:rPr lang="en-US" smtClean="0"/>
-              <a:t>4/12/2018</a:t>
+              <a:t>4/13/2018</a:t>
             </a:fld>
             <a:endParaRPr lang="en-US"/>
           </a:p>
@@ -2254,7 +2254,7 @@
           <a:p>
             <a:fld id="{1D592FA8-CD67-42EB-B5F6-1369A0689577}" type="datetimeFigureOut">
               <a:rPr lang="en-US" smtClean="0"/>
-              <a:t>4/12/2018</a:t>
+              <a:t>4/13/2018</a:t>
             </a:fld>
             <a:endParaRPr lang="en-US"/>
           </a:p>
@@ -2611,7 +2611,7 @@
           <a:p>
             <a:fld id="{1D592FA8-CD67-42EB-B5F6-1369A0689577}" type="datetimeFigureOut">
               <a:rPr lang="en-US" smtClean="0"/>
-              <a:t>4/12/2018</a:t>
+              <a:t>4/13/2018</a:t>
             </a:fld>
             <a:endParaRPr lang="en-US"/>
           </a:p>
@@ -2852,7 +2852,7 @@
           <a:p>
             <a:fld id="{1D592FA8-CD67-42EB-B5F6-1369A0689577}" type="datetimeFigureOut">
               <a:rPr lang="en-US" smtClean="0"/>
-              <a:t>4/12/2018</a:t>
+              <a:t>4/13/2018</a:t>
             </a:fld>
             <a:endParaRPr lang="en-US"/>
           </a:p>
@@ -3326,8 +3326,13 @@
           <a:p>
             <a:r>
               <a:rPr lang="en-US" dirty="0"/>
-              <a:t>Group Project 1</a:t>
-            </a:r>
+              <a:t>Group </a:t>
+            </a:r>
+            <a:r>
+              <a:rPr lang="en-US"/>
+              <a:t>Project 1I</a:t>
+            </a:r>
+            <a:endParaRPr lang="en-US" dirty="0"/>
           </a:p>
         </p:txBody>
       </p:sp>
